--- a/Demo Poster/Signal_Data_Flow_Diagram.pptx
+++ b/Demo Poster/Signal_Data_Flow_Diagram.pptx
@@ -245,7 +245,7 @@
               <a:rPr lang="en-AU" smtClean="0"/>
               <a:t>20/05/2018</a:t>
             </a:fld>
-            <a:endParaRPr lang="en-AU"/>
+            <a:endParaRPr lang="en-AU" dirty="0"/>
           </a:p>
         </p:txBody>
       </p:sp>
@@ -264,7 +264,7 @@
           <a:bodyPr/>
           <a:lstStyle/>
           <a:p>
-            <a:endParaRPr lang="en-AU"/>
+            <a:endParaRPr lang="en-AU" dirty="0"/>
           </a:p>
         </p:txBody>
       </p:sp>
@@ -287,7 +287,7 @@
               <a:rPr lang="en-AU" smtClean="0"/>
               <a:t>‹#›</a:t>
             </a:fld>
-            <a:endParaRPr lang="en-AU"/>
+            <a:endParaRPr lang="en-AU" dirty="0"/>
           </a:p>
         </p:txBody>
       </p:sp>
@@ -415,7 +415,7 @@
               <a:rPr lang="en-AU" smtClean="0"/>
               <a:t>20/05/2018</a:t>
             </a:fld>
-            <a:endParaRPr lang="en-AU"/>
+            <a:endParaRPr lang="en-AU" dirty="0"/>
           </a:p>
         </p:txBody>
       </p:sp>
@@ -434,7 +434,7 @@
           <a:bodyPr/>
           <a:lstStyle/>
           <a:p>
-            <a:endParaRPr lang="en-AU"/>
+            <a:endParaRPr lang="en-AU" dirty="0"/>
           </a:p>
         </p:txBody>
       </p:sp>
@@ -457,7 +457,7 @@
               <a:rPr lang="en-AU" smtClean="0"/>
               <a:t>‹#›</a:t>
             </a:fld>
-            <a:endParaRPr lang="en-AU"/>
+            <a:endParaRPr lang="en-AU" dirty="0"/>
           </a:p>
         </p:txBody>
       </p:sp>
@@ -595,7 +595,7 @@
               <a:rPr lang="en-AU" smtClean="0"/>
               <a:t>20/05/2018</a:t>
             </a:fld>
-            <a:endParaRPr lang="en-AU"/>
+            <a:endParaRPr lang="en-AU" dirty="0"/>
           </a:p>
         </p:txBody>
       </p:sp>
@@ -614,7 +614,7 @@
           <a:bodyPr/>
           <a:lstStyle/>
           <a:p>
-            <a:endParaRPr lang="en-AU"/>
+            <a:endParaRPr lang="en-AU" dirty="0"/>
           </a:p>
         </p:txBody>
       </p:sp>
@@ -637,7 +637,7 @@
               <a:rPr lang="en-AU" smtClean="0"/>
               <a:t>‹#›</a:t>
             </a:fld>
-            <a:endParaRPr lang="en-AU"/>
+            <a:endParaRPr lang="en-AU" dirty="0"/>
           </a:p>
         </p:txBody>
       </p:sp>
@@ -765,7 +765,7 @@
               <a:rPr lang="en-AU" smtClean="0"/>
               <a:t>20/05/2018</a:t>
             </a:fld>
-            <a:endParaRPr lang="en-AU"/>
+            <a:endParaRPr lang="en-AU" dirty="0"/>
           </a:p>
         </p:txBody>
       </p:sp>
@@ -784,7 +784,7 @@
           <a:bodyPr/>
           <a:lstStyle/>
           <a:p>
-            <a:endParaRPr lang="en-AU"/>
+            <a:endParaRPr lang="en-AU" dirty="0"/>
           </a:p>
         </p:txBody>
       </p:sp>
@@ -807,7 +807,7 @@
               <a:rPr lang="en-AU" smtClean="0"/>
               <a:t>‹#›</a:t>
             </a:fld>
-            <a:endParaRPr lang="en-AU"/>
+            <a:endParaRPr lang="en-AU" dirty="0"/>
           </a:p>
         </p:txBody>
       </p:sp>
@@ -1009,7 +1009,7 @@
               <a:rPr lang="en-AU" smtClean="0"/>
               <a:t>20/05/2018</a:t>
             </a:fld>
-            <a:endParaRPr lang="en-AU"/>
+            <a:endParaRPr lang="en-AU" dirty="0"/>
           </a:p>
         </p:txBody>
       </p:sp>
@@ -1028,7 +1028,7 @@
           <a:bodyPr/>
           <a:lstStyle/>
           <a:p>
-            <a:endParaRPr lang="en-AU"/>
+            <a:endParaRPr lang="en-AU" dirty="0"/>
           </a:p>
         </p:txBody>
       </p:sp>
@@ -1051,7 +1051,7 @@
               <a:rPr lang="en-AU" smtClean="0"/>
               <a:t>‹#›</a:t>
             </a:fld>
-            <a:endParaRPr lang="en-AU"/>
+            <a:endParaRPr lang="en-AU" dirty="0"/>
           </a:p>
         </p:txBody>
       </p:sp>
@@ -1241,7 +1241,7 @@
               <a:rPr lang="en-AU" smtClean="0"/>
               <a:t>20/05/2018</a:t>
             </a:fld>
-            <a:endParaRPr lang="en-AU"/>
+            <a:endParaRPr lang="en-AU" dirty="0"/>
           </a:p>
         </p:txBody>
       </p:sp>
@@ -1260,7 +1260,7 @@
           <a:bodyPr/>
           <a:lstStyle/>
           <a:p>
-            <a:endParaRPr lang="en-AU"/>
+            <a:endParaRPr lang="en-AU" dirty="0"/>
           </a:p>
         </p:txBody>
       </p:sp>
@@ -1283,7 +1283,7 @@
               <a:rPr lang="en-AU" smtClean="0"/>
               <a:t>‹#›</a:t>
             </a:fld>
-            <a:endParaRPr lang="en-AU"/>
+            <a:endParaRPr lang="en-AU" dirty="0"/>
           </a:p>
         </p:txBody>
       </p:sp>
@@ -1608,7 +1608,7 @@
               <a:rPr lang="en-AU" smtClean="0"/>
               <a:t>20/05/2018</a:t>
             </a:fld>
-            <a:endParaRPr lang="en-AU"/>
+            <a:endParaRPr lang="en-AU" dirty="0"/>
           </a:p>
         </p:txBody>
       </p:sp>
@@ -1627,7 +1627,7 @@
           <a:bodyPr/>
           <a:lstStyle/>
           <a:p>
-            <a:endParaRPr lang="en-AU"/>
+            <a:endParaRPr lang="en-AU" dirty="0"/>
           </a:p>
         </p:txBody>
       </p:sp>
@@ -1650,7 +1650,7 @@
               <a:rPr lang="en-AU" smtClean="0"/>
               <a:t>‹#›</a:t>
             </a:fld>
-            <a:endParaRPr lang="en-AU"/>
+            <a:endParaRPr lang="en-AU" dirty="0"/>
           </a:p>
         </p:txBody>
       </p:sp>
@@ -1726,7 +1726,7 @@
               <a:rPr lang="en-AU" smtClean="0"/>
               <a:t>20/05/2018</a:t>
             </a:fld>
-            <a:endParaRPr lang="en-AU"/>
+            <a:endParaRPr lang="en-AU" dirty="0"/>
           </a:p>
         </p:txBody>
       </p:sp>
@@ -1745,7 +1745,7 @@
           <a:bodyPr/>
           <a:lstStyle/>
           <a:p>
-            <a:endParaRPr lang="en-AU"/>
+            <a:endParaRPr lang="en-AU" dirty="0"/>
           </a:p>
         </p:txBody>
       </p:sp>
@@ -1768,7 +1768,7 @@
               <a:rPr lang="en-AU" smtClean="0"/>
               <a:t>‹#›</a:t>
             </a:fld>
-            <a:endParaRPr lang="en-AU"/>
+            <a:endParaRPr lang="en-AU" dirty="0"/>
           </a:p>
         </p:txBody>
       </p:sp>
@@ -1821,7 +1821,7 @@
               <a:rPr lang="en-AU" smtClean="0"/>
               <a:t>20/05/2018</a:t>
             </a:fld>
-            <a:endParaRPr lang="en-AU"/>
+            <a:endParaRPr lang="en-AU" dirty="0"/>
           </a:p>
         </p:txBody>
       </p:sp>
@@ -1840,7 +1840,7 @@
           <a:bodyPr/>
           <a:lstStyle/>
           <a:p>
-            <a:endParaRPr lang="en-AU"/>
+            <a:endParaRPr lang="en-AU" dirty="0"/>
           </a:p>
         </p:txBody>
       </p:sp>
@@ -1863,7 +1863,7 @@
               <a:rPr lang="en-AU" smtClean="0"/>
               <a:t>‹#›</a:t>
             </a:fld>
-            <a:endParaRPr lang="en-AU"/>
+            <a:endParaRPr lang="en-AU" dirty="0"/>
           </a:p>
         </p:txBody>
       </p:sp>
@@ -2098,7 +2098,7 @@
               <a:rPr lang="en-AU" smtClean="0"/>
               <a:t>20/05/2018</a:t>
             </a:fld>
-            <a:endParaRPr lang="en-AU"/>
+            <a:endParaRPr lang="en-AU" dirty="0"/>
           </a:p>
         </p:txBody>
       </p:sp>
@@ -2117,7 +2117,7 @@
           <a:bodyPr/>
           <a:lstStyle/>
           <a:p>
-            <a:endParaRPr lang="en-AU"/>
+            <a:endParaRPr lang="en-AU" dirty="0"/>
           </a:p>
         </p:txBody>
       </p:sp>
@@ -2140,7 +2140,7 @@
               <a:rPr lang="en-AU" smtClean="0"/>
               <a:t>‹#›</a:t>
             </a:fld>
-            <a:endParaRPr lang="en-AU"/>
+            <a:endParaRPr lang="en-AU" dirty="0"/>
           </a:p>
         </p:txBody>
       </p:sp>
@@ -2264,10 +2264,9 @@
           </a:lstStyle>
           <a:p>
             <a:r>
-              <a:rPr lang="en-US"/>
+              <a:rPr lang="en-US" dirty="0"/>
               <a:t>Click icon to add picture</a:t>
             </a:r>
-            <a:endParaRPr lang="en-US" dirty="0"/>
           </a:p>
         </p:txBody>
       </p:sp>
@@ -2355,7 +2354,7 @@
               <a:rPr lang="en-AU" smtClean="0"/>
               <a:t>20/05/2018</a:t>
             </a:fld>
-            <a:endParaRPr lang="en-AU"/>
+            <a:endParaRPr lang="en-AU" dirty="0"/>
           </a:p>
         </p:txBody>
       </p:sp>
@@ -2374,7 +2373,7 @@
           <a:bodyPr/>
           <a:lstStyle/>
           <a:p>
-            <a:endParaRPr lang="en-AU"/>
+            <a:endParaRPr lang="en-AU" dirty="0"/>
           </a:p>
         </p:txBody>
       </p:sp>
@@ -2397,7 +2396,7 @@
               <a:rPr lang="en-AU" smtClean="0"/>
               <a:t>‹#›</a:t>
             </a:fld>
-            <a:endParaRPr lang="en-AU"/>
+            <a:endParaRPr lang="en-AU" dirty="0"/>
           </a:p>
         </p:txBody>
       </p:sp>
@@ -2568,7 +2567,7 @@
               <a:rPr lang="en-AU" smtClean="0"/>
               <a:t>20/05/2018</a:t>
             </a:fld>
-            <a:endParaRPr lang="en-AU"/>
+            <a:endParaRPr lang="en-AU" dirty="0"/>
           </a:p>
         </p:txBody>
       </p:sp>
@@ -2605,7 +2604,7 @@
             </a:lvl1pPr>
           </a:lstStyle>
           <a:p>
-            <a:endParaRPr lang="en-AU"/>
+            <a:endParaRPr lang="en-AU" dirty="0"/>
           </a:p>
         </p:txBody>
       </p:sp>
@@ -2646,7 +2645,7 @@
               <a:rPr lang="en-AU" smtClean="0"/>
               <a:t>‹#›</a:t>
             </a:fld>
-            <a:endParaRPr lang="en-AU"/>
+            <a:endParaRPr lang="en-AU" dirty="0"/>
           </a:p>
         </p:txBody>
       </p:sp>
@@ -2985,7 +2984,7 @@
         </p:nvGrpSpPr>
         <p:grpSpPr>
           <a:xfrm>
-            <a:off x="668651" y="1122736"/>
+            <a:off x="668651" y="1427413"/>
             <a:ext cx="228600" cy="114300"/>
             <a:chOff x="3488871" y="2942096"/>
             <a:chExt cx="228600" cy="114300"/>
@@ -3040,7 +3039,7 @@
             <a:lstStyle/>
             <a:p>
               <a:pPr algn="ctr"/>
-              <a:endParaRPr lang="en-AU"/>
+              <a:endParaRPr lang="en-AU" dirty="0"/>
             </a:p>
           </p:txBody>
         </p:sp>
@@ -3090,7 +3089,7 @@
             <a:lstStyle/>
             <a:p>
               <a:pPr algn="ctr"/>
-              <a:endParaRPr lang="en-AU"/>
+              <a:endParaRPr lang="en-AU" dirty="0"/>
             </a:p>
           </p:txBody>
         </p:sp>
@@ -3109,7 +3108,7 @@
         </p:nvGrpSpPr>
         <p:grpSpPr>
           <a:xfrm>
-            <a:off x="2389979" y="1122736"/>
+            <a:off x="2389979" y="1427413"/>
             <a:ext cx="228600" cy="114300"/>
             <a:chOff x="3488871" y="2942096"/>
             <a:chExt cx="228600" cy="114300"/>
@@ -3164,7 +3163,7 @@
             <a:lstStyle/>
             <a:p>
               <a:pPr algn="ctr"/>
-              <a:endParaRPr lang="en-AU"/>
+              <a:endParaRPr lang="en-AU" dirty="0"/>
             </a:p>
           </p:txBody>
         </p:sp>
@@ -3214,7 +3213,7 @@
             <a:lstStyle/>
             <a:p>
               <a:pPr algn="ctr"/>
-              <a:endParaRPr lang="en-AU"/>
+              <a:endParaRPr lang="en-AU" dirty="0"/>
             </a:p>
           </p:txBody>
         </p:sp>
@@ -3233,7 +3232,7 @@
         </p:nvSpPr>
         <p:spPr>
           <a:xfrm rot="5400000">
-            <a:off x="1762254" y="3844414"/>
+            <a:off x="1762254" y="4149091"/>
             <a:ext cx="156823" cy="156823"/>
           </a:xfrm>
           <a:prstGeom prst="rect">
@@ -3267,7 +3266,7 @@
           <a:lstStyle/>
           <a:p>
             <a:pPr algn="ctr"/>
-            <a:endParaRPr lang="en-AU"/>
+            <a:endParaRPr lang="en-AU" dirty="0"/>
           </a:p>
         </p:txBody>
       </p:sp>
@@ -3285,7 +3284,7 @@
         </p:nvGrpSpPr>
         <p:grpSpPr>
           <a:xfrm>
-            <a:off x="1217120" y="3578420"/>
+            <a:off x="1217120" y="3883097"/>
             <a:ext cx="1626921" cy="1912531"/>
             <a:chOff x="1217120" y="3900313"/>
             <a:chExt cx="1626921" cy="1912531"/>
@@ -3448,7 +3447,7 @@
         </p:nvCxnSpPr>
         <p:spPr>
           <a:xfrm rot="5400000">
-            <a:off x="1588825" y="1542157"/>
+            <a:off x="1588825" y="1846834"/>
             <a:ext cx="432517" cy="1284093"/>
           </a:xfrm>
           <a:prstGeom prst="bentConnector2">
@@ -3495,7 +3494,7 @@
         </p:nvCxnSpPr>
         <p:spPr>
           <a:xfrm flipV="1">
-            <a:off x="1163036" y="1967945"/>
+            <a:off x="1163036" y="2272622"/>
             <a:ext cx="1398393" cy="518535"/>
           </a:xfrm>
           <a:prstGeom prst="bentConnector2">
@@ -3538,7 +3537,7 @@
         </p:nvGrpSpPr>
         <p:grpSpPr>
           <a:xfrm>
-            <a:off x="668651" y="1745231"/>
+            <a:off x="668651" y="2049908"/>
             <a:ext cx="228600" cy="114300"/>
             <a:chOff x="3488871" y="2942096"/>
             <a:chExt cx="228600" cy="114300"/>
@@ -3593,7 +3592,7 @@
             <a:lstStyle/>
             <a:p>
               <a:pPr algn="ctr"/>
-              <a:endParaRPr lang="en-AU"/>
+              <a:endParaRPr lang="en-AU" dirty="0"/>
             </a:p>
           </p:txBody>
         </p:sp>
@@ -3643,7 +3642,7 @@
             <a:lstStyle/>
             <a:p>
               <a:pPr algn="ctr"/>
-              <a:endParaRPr lang="en-AU"/>
+              <a:endParaRPr lang="en-AU" dirty="0"/>
             </a:p>
           </p:txBody>
         </p:sp>
@@ -3666,7 +3665,7 @@
         </p:nvCxnSpPr>
         <p:spPr>
           <a:xfrm>
-            <a:off x="840101" y="1339281"/>
+            <a:off x="840101" y="1643958"/>
             <a:ext cx="0" cy="405950"/>
           </a:xfrm>
           <a:prstGeom prst="straightConnector1">
@@ -3713,7 +3712,7 @@
         </p:nvCxnSpPr>
         <p:spPr>
           <a:xfrm>
-            <a:off x="725801" y="1339281"/>
+            <a:off x="725801" y="1643958"/>
             <a:ext cx="0" cy="405950"/>
           </a:xfrm>
           <a:prstGeom prst="straightConnector1">
@@ -3756,7 +3755,7 @@
         </p:nvGrpSpPr>
         <p:grpSpPr>
           <a:xfrm>
-            <a:off x="668651" y="1224981"/>
+            <a:off x="668651" y="1529658"/>
             <a:ext cx="228600" cy="114300"/>
             <a:chOff x="3488871" y="2942096"/>
             <a:chExt cx="228600" cy="114300"/>
@@ -3811,7 +3810,7 @@
             <a:lstStyle/>
             <a:p>
               <a:pPr algn="ctr"/>
-              <a:endParaRPr lang="en-AU"/>
+              <a:endParaRPr lang="en-AU" dirty="0"/>
             </a:p>
           </p:txBody>
         </p:sp>
@@ -3861,7 +3860,7 @@
             <a:lstStyle/>
             <a:p>
               <a:pPr algn="ctr"/>
-              <a:endParaRPr lang="en-AU"/>
+              <a:endParaRPr lang="en-AU" dirty="0"/>
             </a:p>
           </p:txBody>
         </p:sp>
@@ -3884,7 +3883,7 @@
         </p:nvCxnSpPr>
         <p:spPr>
           <a:xfrm>
-            <a:off x="2561429" y="1339281"/>
+            <a:off x="2561429" y="1643958"/>
             <a:ext cx="0" cy="405950"/>
           </a:xfrm>
           <a:prstGeom prst="straightConnector1">
@@ -3931,7 +3930,7 @@
         </p:nvCxnSpPr>
         <p:spPr>
           <a:xfrm>
-            <a:off x="2447129" y="1339281"/>
+            <a:off x="2447129" y="1643958"/>
             <a:ext cx="0" cy="405950"/>
           </a:xfrm>
           <a:prstGeom prst="straightConnector1">
@@ -3974,7 +3973,7 @@
         </p:nvGrpSpPr>
         <p:grpSpPr>
           <a:xfrm>
-            <a:off x="2389979" y="1745231"/>
+            <a:off x="2389979" y="2049908"/>
             <a:ext cx="228600" cy="114300"/>
             <a:chOff x="3488871" y="2942096"/>
             <a:chExt cx="228600" cy="114300"/>
@@ -4029,7 +4028,7 @@
             <a:lstStyle/>
             <a:p>
               <a:pPr algn="ctr"/>
-              <a:endParaRPr lang="en-AU"/>
+              <a:endParaRPr lang="en-AU" dirty="0"/>
             </a:p>
           </p:txBody>
         </p:sp>
@@ -4079,7 +4078,7 @@
             <a:lstStyle/>
             <a:p>
               <a:pPr algn="ctr"/>
-              <a:endParaRPr lang="en-AU"/>
+              <a:endParaRPr lang="en-AU" dirty="0"/>
             </a:p>
           </p:txBody>
         </p:sp>
@@ -4098,7 +4097,7 @@
         </p:nvGrpSpPr>
         <p:grpSpPr>
           <a:xfrm>
-            <a:off x="2389979" y="1224981"/>
+            <a:off x="2389979" y="1529658"/>
             <a:ext cx="228600" cy="114300"/>
             <a:chOff x="3488871" y="2942096"/>
             <a:chExt cx="228600" cy="114300"/>
@@ -4153,7 +4152,7 @@
             <a:lstStyle/>
             <a:p>
               <a:pPr algn="ctr"/>
-              <a:endParaRPr lang="en-AU"/>
+              <a:endParaRPr lang="en-AU" dirty="0"/>
             </a:p>
           </p:txBody>
         </p:sp>
@@ -4203,7 +4202,7 @@
             <a:lstStyle/>
             <a:p>
               <a:pPr algn="ctr"/>
-              <a:endParaRPr lang="en-AU"/>
+              <a:endParaRPr lang="en-AU" dirty="0"/>
             </a:p>
           </p:txBody>
         </p:sp>
@@ -4226,7 +4225,7 @@
         </p:nvCxnSpPr>
         <p:spPr>
           <a:xfrm>
-            <a:off x="840101" y="1967945"/>
+            <a:off x="840101" y="2272622"/>
             <a:ext cx="0" cy="389508"/>
           </a:xfrm>
           <a:prstGeom prst="straightConnector1">
@@ -4273,7 +4272,7 @@
         </p:nvCxnSpPr>
         <p:spPr>
           <a:xfrm>
-            <a:off x="725801" y="1967945"/>
+            <a:off x="725801" y="2272622"/>
             <a:ext cx="0" cy="389508"/>
           </a:xfrm>
           <a:prstGeom prst="straightConnector1">
@@ -4316,7 +4315,7 @@
         </p:nvGrpSpPr>
         <p:grpSpPr>
           <a:xfrm>
-            <a:off x="668651" y="1853645"/>
+            <a:off x="668651" y="2158322"/>
             <a:ext cx="228600" cy="114300"/>
             <a:chOff x="3488871" y="2942096"/>
             <a:chExt cx="228600" cy="114300"/>
@@ -4371,7 +4370,7 @@
             <a:lstStyle/>
             <a:p>
               <a:pPr algn="ctr"/>
-              <a:endParaRPr lang="en-AU"/>
+              <a:endParaRPr lang="en-AU" dirty="0"/>
             </a:p>
           </p:txBody>
         </p:sp>
@@ -4421,7 +4420,7 @@
             <a:lstStyle/>
             <a:p>
               <a:pPr algn="ctr"/>
-              <a:endParaRPr lang="en-AU"/>
+              <a:endParaRPr lang="en-AU" dirty="0"/>
             </a:p>
           </p:txBody>
         </p:sp>
@@ -4440,7 +4439,7 @@
         </p:nvSpPr>
         <p:spPr>
           <a:xfrm>
-            <a:off x="2389979" y="1853645"/>
+            <a:off x="2389979" y="2158322"/>
             <a:ext cx="114300" cy="114300"/>
           </a:xfrm>
           <a:prstGeom prst="rect">
@@ -4474,7 +4473,7 @@
           <a:lstStyle/>
           <a:p>
             <a:pPr algn="ctr"/>
-            <a:endParaRPr lang="en-AU"/>
+            <a:endParaRPr lang="en-AU" dirty="0"/>
           </a:p>
         </p:txBody>
       </p:sp>
@@ -4492,7 +4491,7 @@
         </p:nvSpPr>
         <p:spPr>
           <a:xfrm>
-            <a:off x="2504279" y="1853645"/>
+            <a:off x="2504279" y="2158322"/>
             <a:ext cx="114300" cy="114300"/>
           </a:xfrm>
           <a:prstGeom prst="rect">
@@ -4526,7 +4525,7 @@
           <a:lstStyle/>
           <a:p>
             <a:pPr algn="ctr"/>
-            <a:endParaRPr lang="en-AU"/>
+            <a:endParaRPr lang="en-AU" dirty="0"/>
           </a:p>
         </p:txBody>
       </p:sp>
@@ -4544,7 +4543,7 @@
         </p:nvGrpSpPr>
         <p:grpSpPr>
           <a:xfrm>
-            <a:off x="583390" y="3097672"/>
+            <a:off x="583390" y="3402349"/>
             <a:ext cx="228600" cy="114300"/>
             <a:chOff x="3488871" y="2942096"/>
             <a:chExt cx="228600" cy="114300"/>
@@ -4599,7 +4598,7 @@
             <a:lstStyle/>
             <a:p>
               <a:pPr algn="ctr"/>
-              <a:endParaRPr lang="en-AU"/>
+              <a:endParaRPr lang="en-AU" dirty="0"/>
             </a:p>
           </p:txBody>
         </p:sp>
@@ -4649,7 +4648,7 @@
             <a:lstStyle/>
             <a:p>
               <a:pPr algn="ctr"/>
-              <a:endParaRPr lang="en-AU"/>
+              <a:endParaRPr lang="en-AU" dirty="0"/>
             </a:p>
           </p:txBody>
         </p:sp>
@@ -4672,7 +4671,7 @@
         </p:nvCxnSpPr>
         <p:spPr>
           <a:xfrm>
-            <a:off x="754840" y="2703785"/>
+            <a:off x="754840" y="3008462"/>
             <a:ext cx="0" cy="393887"/>
           </a:xfrm>
           <a:prstGeom prst="straightConnector1">
@@ -4719,7 +4718,7 @@
         </p:nvCxnSpPr>
         <p:spPr>
           <a:xfrm>
-            <a:off x="640540" y="2703785"/>
+            <a:off x="640540" y="3008462"/>
             <a:ext cx="0" cy="393887"/>
           </a:xfrm>
           <a:prstGeom prst="straightConnector1">
@@ -4766,7 +4765,7 @@
         </p:nvCxnSpPr>
         <p:spPr>
           <a:xfrm flipV="1">
-            <a:off x="1066650" y="3074909"/>
+            <a:off x="1066650" y="3379586"/>
             <a:ext cx="1967873" cy="263032"/>
           </a:xfrm>
           <a:prstGeom prst="bentConnector2">
@@ -4809,7 +4808,7 @@
         </p:nvGrpSpPr>
         <p:grpSpPr>
           <a:xfrm rot="16200000">
-            <a:off x="2650733" y="2577637"/>
+            <a:off x="2650733" y="2882314"/>
             <a:ext cx="114300" cy="114300"/>
             <a:chOff x="3488871" y="2942096"/>
             <a:chExt cx="228600" cy="114300"/>
@@ -4864,7 +4863,7 @@
             <a:lstStyle/>
             <a:p>
               <a:pPr algn="ctr"/>
-              <a:endParaRPr lang="en-AU"/>
+              <a:endParaRPr lang="en-AU" dirty="0"/>
             </a:p>
           </p:txBody>
         </p:sp>
@@ -4914,7 +4913,7 @@
             <a:lstStyle/>
             <a:p>
               <a:pPr algn="ctr"/>
-              <a:endParaRPr lang="en-AU"/>
+              <a:endParaRPr lang="en-AU" dirty="0"/>
             </a:p>
           </p:txBody>
         </p:sp>
@@ -4933,7 +4932,7 @@
         </p:nvGrpSpPr>
         <p:grpSpPr>
           <a:xfrm rot="16200000">
-            <a:off x="895200" y="3223641"/>
+            <a:off x="895200" y="3528318"/>
             <a:ext cx="228600" cy="114300"/>
             <a:chOff x="3488871" y="2942096"/>
             <a:chExt cx="228600" cy="114300"/>
@@ -4988,7 +4987,7 @@
             <a:lstStyle/>
             <a:p>
               <a:pPr algn="ctr"/>
-              <a:endParaRPr lang="en-AU"/>
+              <a:endParaRPr lang="en-AU" dirty="0"/>
             </a:p>
           </p:txBody>
         </p:sp>
@@ -5038,7 +5037,7 @@
             <a:lstStyle/>
             <a:p>
               <a:pPr algn="ctr"/>
-              <a:endParaRPr lang="en-AU"/>
+              <a:endParaRPr lang="en-AU" dirty="0"/>
             </a:p>
           </p:txBody>
         </p:sp>
@@ -5057,7 +5056,7 @@
         </p:nvSpPr>
         <p:spPr>
           <a:xfrm>
-            <a:off x="1656553" y="6197062"/>
+            <a:off x="1656553" y="6501739"/>
             <a:ext cx="234042" cy="164447"/>
           </a:xfrm>
           <a:prstGeom prst="rect">
@@ -5085,7 +5084,7 @@
           <a:lstStyle/>
           <a:p>
             <a:pPr algn="ctr"/>
-            <a:endParaRPr lang="en-AU"/>
+            <a:endParaRPr lang="en-AU" dirty="0"/>
           </a:p>
         </p:txBody>
       </p:sp>
@@ -5103,7 +5102,7 @@
         </p:nvSpPr>
         <p:spPr>
           <a:xfrm>
-            <a:off x="3090299" y="6913678"/>
+            <a:off x="3090299" y="7218355"/>
             <a:ext cx="119743" cy="119743"/>
           </a:xfrm>
           <a:prstGeom prst="rect">
@@ -5131,7 +5130,7 @@
           <a:lstStyle/>
           <a:p>
             <a:pPr algn="ctr"/>
-            <a:endParaRPr lang="en-AU"/>
+            <a:endParaRPr lang="en-AU" dirty="0"/>
           </a:p>
         </p:txBody>
       </p:sp>
@@ -5149,7 +5148,7 @@
         </p:nvSpPr>
         <p:spPr>
           <a:xfrm rot="5400000">
-            <a:off x="915174" y="3844414"/>
+            <a:off x="915174" y="4149091"/>
             <a:ext cx="156823" cy="156823"/>
           </a:xfrm>
           <a:prstGeom prst="rect">
@@ -5183,7 +5182,7 @@
           <a:lstStyle/>
           <a:p>
             <a:pPr algn="ctr"/>
-            <a:endParaRPr lang="en-AU"/>
+            <a:endParaRPr lang="en-AU" dirty="0"/>
           </a:p>
         </p:txBody>
       </p:sp>
@@ -5201,7 +5200,7 @@
         </p:nvSpPr>
         <p:spPr>
           <a:xfrm>
-            <a:off x="704540" y="3097672"/>
+            <a:off x="704540" y="3402349"/>
             <a:ext cx="156823" cy="156823"/>
           </a:xfrm>
           <a:prstGeom prst="rect">
@@ -5235,7 +5234,7 @@
           <a:lstStyle/>
           <a:p>
             <a:pPr algn="ctr"/>
-            <a:endParaRPr lang="en-AU"/>
+            <a:endParaRPr lang="en-AU" dirty="0"/>
           </a:p>
         </p:txBody>
       </p:sp>
@@ -5253,7 +5252,7 @@
         </p:nvSpPr>
         <p:spPr>
           <a:xfrm>
-            <a:off x="1393746" y="5301650"/>
+            <a:off x="1393746" y="5606327"/>
             <a:ext cx="759656" cy="222714"/>
           </a:xfrm>
           <a:prstGeom prst="rect">
@@ -5328,7 +5327,7 @@
         </p:nvSpPr>
         <p:spPr>
           <a:xfrm>
-            <a:off x="1123285" y="6197062"/>
+            <a:off x="1123285" y="6501739"/>
             <a:ext cx="1658009" cy="438158"/>
           </a:xfrm>
           <a:prstGeom prst="rect">
@@ -5407,7 +5406,7 @@
         </p:nvGrpSpPr>
         <p:grpSpPr>
           <a:xfrm rot="10800000">
-            <a:off x="2863074" y="2852195"/>
+            <a:off x="2863074" y="3156872"/>
             <a:ext cx="228600" cy="114300"/>
             <a:chOff x="3488871" y="2942096"/>
             <a:chExt cx="228600" cy="114300"/>
@@ -5455,7 +5454,7 @@
             <a:lstStyle/>
             <a:p>
               <a:pPr algn="ctr"/>
-              <a:endParaRPr lang="en-AU"/>
+              <a:endParaRPr lang="en-AU" dirty="0"/>
             </a:p>
           </p:txBody>
         </p:sp>
@@ -5501,7 +5500,7 @@
             <a:lstStyle/>
             <a:p>
               <a:pPr algn="ctr"/>
-              <a:endParaRPr lang="en-AU"/>
+              <a:endParaRPr lang="en-AU" dirty="0"/>
             </a:p>
           </p:txBody>
         </p:sp>
@@ -5520,7 +5519,7 @@
         </p:nvGrpSpPr>
         <p:grpSpPr>
           <a:xfrm>
-            <a:off x="2863073" y="2960609"/>
+            <a:off x="2863073" y="3265286"/>
             <a:ext cx="228600" cy="114300"/>
             <a:chOff x="3488871" y="2942096"/>
             <a:chExt cx="228600" cy="114300"/>
@@ -5568,7 +5567,7 @@
             <a:lstStyle/>
             <a:p>
               <a:pPr algn="ctr"/>
-              <a:endParaRPr lang="en-AU"/>
+              <a:endParaRPr lang="en-AU" dirty="0"/>
             </a:p>
           </p:txBody>
         </p:sp>
@@ -5614,7 +5613,7 @@
             <a:lstStyle/>
             <a:p>
               <a:pPr algn="ctr"/>
-              <a:endParaRPr lang="en-AU"/>
+              <a:endParaRPr lang="en-AU" dirty="0"/>
             </a:p>
           </p:txBody>
         </p:sp>
@@ -5633,7 +5632,7 @@
         </p:nvGrpSpPr>
         <p:grpSpPr>
           <a:xfrm>
-            <a:off x="2650733" y="2852195"/>
+            <a:off x="2650733" y="3156872"/>
             <a:ext cx="653280" cy="222714"/>
             <a:chOff x="2650733" y="2791116"/>
             <a:chExt cx="653280" cy="222714"/>
@@ -5710,7 +5709,7 @@
               <a:lstStyle/>
               <a:p>
                 <a:pPr algn="ctr"/>
-                <a:endParaRPr lang="en-AU">
+                <a:endParaRPr lang="en-AU" dirty="0">
                   <a:solidFill>
                     <a:schemeClr val="accent1"/>
                   </a:solidFill>
@@ -5766,7 +5765,7 @@
               <a:lstStyle/>
               <a:p>
                 <a:pPr algn="ctr"/>
-                <a:endParaRPr lang="en-AU">
+                <a:endParaRPr lang="en-AU" dirty="0">
                   <a:solidFill>
                     <a:schemeClr val="accent1"/>
                   </a:solidFill>
@@ -5859,7 +5858,7 @@
         </p:nvSpPr>
         <p:spPr>
           <a:xfrm>
-            <a:off x="2208128" y="1745231"/>
+            <a:off x="2208128" y="2049908"/>
             <a:ext cx="592303" cy="222714"/>
           </a:xfrm>
           <a:prstGeom prst="rect">
@@ -5925,7 +5924,7 @@
         </p:nvSpPr>
         <p:spPr>
           <a:xfrm>
-            <a:off x="486800" y="1745231"/>
+            <a:off x="486800" y="2049908"/>
             <a:ext cx="592303" cy="222714"/>
           </a:xfrm>
           <a:prstGeom prst="rect">
@@ -5991,7 +5990,7 @@
         </p:nvGrpSpPr>
         <p:grpSpPr>
           <a:xfrm>
-            <a:off x="402867" y="2357453"/>
+            <a:off x="402867" y="2662130"/>
             <a:ext cx="760169" cy="346332"/>
             <a:chOff x="402867" y="2779270"/>
             <a:chExt cx="760169" cy="246407"/>
@@ -6065,7 +6064,7 @@
               <a:lstStyle/>
               <a:p>
                 <a:pPr algn="ctr"/>
-                <a:endParaRPr lang="en-AU"/>
+                <a:endParaRPr lang="en-AU" dirty="0"/>
               </a:p>
             </p:txBody>
           </p:sp>
@@ -6117,7 +6116,7 @@
               <a:lstStyle/>
               <a:p>
                 <a:pPr algn="ctr"/>
-                <a:endParaRPr lang="en-AU"/>
+                <a:endParaRPr lang="en-AU" dirty="0"/>
               </a:p>
             </p:txBody>
           </p:sp>
@@ -6169,7 +6168,7 @@
               <a:lstStyle/>
               <a:p>
                 <a:pPr algn="ctr"/>
-                <a:endParaRPr lang="en-AU"/>
+                <a:endParaRPr lang="en-AU" dirty="0"/>
               </a:p>
             </p:txBody>
           </p:sp>
@@ -6221,7 +6220,7 @@
               <a:lstStyle/>
               <a:p>
                 <a:pPr algn="ctr"/>
-                <a:endParaRPr lang="en-AU"/>
+                <a:endParaRPr lang="en-AU" dirty="0"/>
               </a:p>
             </p:txBody>
           </p:sp>
@@ -6295,7 +6294,7 @@
               <a:lstStyle/>
               <a:p>
                 <a:pPr algn="ctr"/>
-                <a:endParaRPr lang="en-AU"/>
+                <a:endParaRPr lang="en-AU" dirty="0"/>
               </a:p>
             </p:txBody>
           </p:sp>
@@ -6345,7 +6344,7 @@
               <a:lstStyle/>
               <a:p>
                 <a:pPr algn="ctr"/>
-                <a:endParaRPr lang="en-AU"/>
+                <a:endParaRPr lang="en-AU" dirty="0"/>
               </a:p>
             </p:txBody>
           </p:sp>
@@ -6419,7 +6418,7 @@
               <a:lstStyle/>
               <a:p>
                 <a:pPr algn="ctr"/>
-                <a:endParaRPr lang="en-AU"/>
+                <a:endParaRPr lang="en-AU" dirty="0"/>
               </a:p>
             </p:txBody>
           </p:sp>
@@ -6469,7 +6468,7 @@
               <a:lstStyle/>
               <a:p>
                 <a:pPr algn="ctr"/>
-                <a:endParaRPr lang="en-AU"/>
+                <a:endParaRPr lang="en-AU" dirty="0"/>
               </a:p>
             </p:txBody>
           </p:sp>
@@ -6565,7 +6564,7 @@
                 <a:lstStyle/>
                 <a:p>
                   <a:pPr algn="ctr"/>
-                  <a:endParaRPr lang="en-AU">
+                  <a:endParaRPr lang="en-AU" dirty="0">
                     <a:solidFill>
                       <a:schemeClr val="accent1"/>
                     </a:solidFill>
@@ -6621,7 +6620,7 @@
                 <a:lstStyle/>
                 <a:p>
                   <a:pPr algn="ctr"/>
-                  <a:endParaRPr lang="en-AU">
+                  <a:endParaRPr lang="en-AU" dirty="0">
                     <a:solidFill>
                       <a:schemeClr val="accent1"/>
                     </a:solidFill>
@@ -6717,7 +6716,7 @@
         </p:nvSpPr>
         <p:spPr>
           <a:xfrm>
-            <a:off x="137060" y="4557089"/>
+            <a:off x="137060" y="4861766"/>
             <a:ext cx="943000" cy="616133"/>
           </a:xfrm>
           <a:prstGeom prst="roundRect">
@@ -6785,7 +6784,7 @@
         </p:nvSpPr>
         <p:spPr>
           <a:xfrm>
-            <a:off x="435006" y="5507214"/>
+            <a:off x="435006" y="5811891"/>
             <a:ext cx="347107" cy="222714"/>
           </a:xfrm>
           <a:prstGeom prst="rect">
@@ -6851,7 +6850,7 @@
         </p:nvSpPr>
         <p:spPr>
           <a:xfrm>
-            <a:off x="370886" y="6069769"/>
+            <a:off x="370886" y="6374446"/>
             <a:ext cx="475347" cy="222714"/>
           </a:xfrm>
           <a:prstGeom prst="rect">
@@ -6917,7 +6916,7 @@
         </p:nvSpPr>
         <p:spPr>
           <a:xfrm>
-            <a:off x="0" y="3097672"/>
+            <a:off x="0" y="3402349"/>
             <a:ext cx="1217119" cy="961496"/>
           </a:xfrm>
           <a:prstGeom prst="roundRect">
@@ -6977,8 +6976,8 @@
         </p:nvSpPr>
         <p:spPr>
           <a:xfrm>
-            <a:off x="1" y="7111127"/>
-            <a:ext cx="1798574" cy="438158"/>
+            <a:off x="12237" y="7390524"/>
+            <a:ext cx="1786337" cy="265989"/>
           </a:xfrm>
           <a:prstGeom prst="rect">
             <a:avLst/>
@@ -7009,7 +7008,7 @@
           </a:fontRef>
         </p:style>
         <p:txBody>
-          <a:bodyPr lIns="36000" tIns="36000" rIns="3600" bIns="3600" rtlCol="0" anchor="t" anchorCtr="0"/>
+          <a:bodyPr lIns="3600" tIns="3600" rIns="3600" bIns="3600" rtlCol="0" anchor="ctr" anchorCtr="1"/>
           <a:lstStyle/>
           <a:p>
             <a:r>
@@ -7071,7 +7070,7 @@
         </p:nvSpPr>
         <p:spPr>
           <a:xfrm>
-            <a:off x="2041524" y="6913678"/>
+            <a:off x="2041524" y="7218355"/>
             <a:ext cx="1295401" cy="438158"/>
           </a:xfrm>
           <a:prstGeom prst="rect">
@@ -7148,7 +7147,7 @@
         </p:nvGrpSpPr>
         <p:grpSpPr>
           <a:xfrm>
-            <a:off x="2351156" y="3473345"/>
+            <a:off x="2351156" y="3778022"/>
             <a:ext cx="985769" cy="2683256"/>
             <a:chOff x="2333866" y="3795238"/>
             <a:chExt cx="985769" cy="2683256"/>
@@ -7218,7 +7217,7 @@
                   </a:solidFill>
                   <a:latin typeface="Helvetica Neue"/>
                 </a:rPr>
-                <a:t>Vishay TRC5000  </a:t>
+                <a:t>Vishay TRCT5000  </a:t>
               </a:r>
               <a:r>
                 <a:rPr lang="en-US" sz="1400" dirty="0">
@@ -7531,7 +7530,7 @@
         </p:nvSpPr>
         <p:spPr>
           <a:xfrm>
-            <a:off x="1584608" y="3402455"/>
+            <a:off x="1584608" y="3707132"/>
             <a:ext cx="680830" cy="376602"/>
           </a:xfrm>
           <a:prstGeom prst="rect">
@@ -7602,7 +7601,7 @@
         </p:nvSpPr>
         <p:spPr>
           <a:xfrm>
-            <a:off x="1718122" y="1116567"/>
+            <a:off x="1718122" y="1421244"/>
             <a:ext cx="1572315" cy="222714"/>
           </a:xfrm>
           <a:prstGeom prst="rect">
@@ -7668,7 +7667,7 @@
         </p:nvSpPr>
         <p:spPr>
           <a:xfrm>
-            <a:off x="46487" y="1116567"/>
+            <a:off x="46487" y="1421244"/>
             <a:ext cx="1472928" cy="222714"/>
           </a:xfrm>
           <a:prstGeom prst="rect">
@@ -7734,7 +7733,7 @@
         </p:nvSpPr>
         <p:spPr>
           <a:xfrm>
-            <a:off x="46487" y="1453728"/>
+            <a:off x="46487" y="1758405"/>
             <a:ext cx="1472928" cy="191936"/>
           </a:xfrm>
           <a:prstGeom prst="rect">
@@ -7791,7 +7790,7 @@
         </p:nvSpPr>
         <p:spPr>
           <a:xfrm>
-            <a:off x="1717740" y="1453728"/>
+            <a:off x="1717740" y="1758405"/>
             <a:ext cx="1572309" cy="191936"/>
           </a:xfrm>
           <a:prstGeom prst="rect">
@@ -7848,7 +7847,7 @@
         </p:nvSpPr>
         <p:spPr>
           <a:xfrm>
-            <a:off x="153091" y="2064694"/>
+            <a:off x="153091" y="2369371"/>
             <a:ext cx="1259721" cy="191936"/>
           </a:xfrm>
           <a:prstGeom prst="rect">
@@ -7905,7 +7904,7 @@
         </p:nvSpPr>
         <p:spPr>
           <a:xfrm>
-            <a:off x="160678" y="2793493"/>
+            <a:off x="160678" y="3098170"/>
             <a:ext cx="1231847" cy="191936"/>
           </a:xfrm>
           <a:prstGeom prst="rect">
@@ -7983,7 +7982,7 @@
         </p:nvCxnSpPr>
         <p:spPr>
           <a:xfrm>
-            <a:off x="608560" y="4059168"/>
+            <a:off x="608560" y="4363845"/>
             <a:ext cx="0" cy="497921"/>
           </a:xfrm>
           <a:prstGeom prst="straightConnector1">
@@ -8025,7 +8024,7 @@
         </p:nvSpPr>
         <p:spPr>
           <a:xfrm>
-            <a:off x="1052950" y="4105497"/>
+            <a:off x="1052950" y="4410174"/>
             <a:ext cx="852088" cy="438158"/>
           </a:xfrm>
           <a:prstGeom prst="rect">
@@ -8100,7 +8099,7 @@
         </p:nvSpPr>
         <p:spPr>
           <a:xfrm>
-            <a:off x="334974" y="4238053"/>
+            <a:off x="334974" y="4542730"/>
             <a:ext cx="500995" cy="191936"/>
           </a:xfrm>
           <a:prstGeom prst="rect">
@@ -8167,7 +8166,7 @@
         </p:nvCxnSpPr>
         <p:spPr>
           <a:xfrm>
-            <a:off x="608560" y="5729928"/>
+            <a:off x="608560" y="6034605"/>
             <a:ext cx="0" cy="339841"/>
           </a:xfrm>
           <a:prstGeom prst="straightConnector1">
@@ -8213,7 +8212,7 @@
         </p:nvCxnSpPr>
         <p:spPr>
           <a:xfrm>
-            <a:off x="608560" y="5173222"/>
+            <a:off x="608560" y="5477899"/>
             <a:ext cx="0" cy="333992"/>
           </a:xfrm>
           <a:prstGeom prst="straightConnector1">
@@ -8255,7 +8254,7 @@
         </p:nvSpPr>
         <p:spPr>
           <a:xfrm>
-            <a:off x="81086" y="5213256"/>
+            <a:off x="81086" y="5517933"/>
             <a:ext cx="1054947" cy="191936"/>
           </a:xfrm>
           <a:prstGeom prst="rect">
@@ -8328,7 +8327,7 @@
         </p:nvSpPr>
         <p:spPr>
           <a:xfrm>
-            <a:off x="93078" y="5756907"/>
+            <a:off x="93078" y="6061584"/>
             <a:ext cx="1030962" cy="191936"/>
           </a:xfrm>
           <a:prstGeom prst="rect">
@@ -8401,7 +8400,7 @@
         </p:nvSpPr>
         <p:spPr>
           <a:xfrm>
-            <a:off x="376496" y="6660575"/>
+            <a:off x="376496" y="6965252"/>
             <a:ext cx="464127" cy="222714"/>
           </a:xfrm>
           <a:prstGeom prst="rect">
@@ -8471,7 +8470,7 @@
         </p:nvCxnSpPr>
         <p:spPr>
           <a:xfrm>
-            <a:off x="608560" y="6292483"/>
+            <a:off x="608560" y="6597160"/>
             <a:ext cx="0" cy="368092"/>
           </a:xfrm>
           <a:prstGeom prst="straightConnector1">
@@ -8513,7 +8512,7 @@
         </p:nvSpPr>
         <p:spPr>
           <a:xfrm>
-            <a:off x="137059" y="6360567"/>
+            <a:off x="137059" y="6665244"/>
             <a:ext cx="943000" cy="191936"/>
           </a:xfrm>
           <a:prstGeom prst="rect">
@@ -8590,7 +8589,7 @@
         </p:nvCxnSpPr>
         <p:spPr>
           <a:xfrm rot="5400000">
-            <a:off x="1118777" y="4504938"/>
+            <a:off x="1118777" y="4809615"/>
             <a:ext cx="321501" cy="398934"/>
           </a:xfrm>
           <a:prstGeom prst="bentConnector2">
@@ -8632,7 +8631,7 @@
         </p:nvSpPr>
         <p:spPr>
           <a:xfrm>
-            <a:off x="1087410" y="4602676"/>
+            <a:off x="1087410" y="4907353"/>
             <a:ext cx="441685" cy="191936"/>
           </a:xfrm>
           <a:prstGeom prst="rect">
@@ -8695,7 +8694,7 @@
         </p:nvGrpSpPr>
         <p:grpSpPr>
           <a:xfrm>
-            <a:off x="1071997" y="3922826"/>
+            <a:off x="1071997" y="4227503"/>
             <a:ext cx="2078175" cy="2990852"/>
             <a:chOff x="1071997" y="4244719"/>
             <a:chExt cx="2078175" cy="2990852"/>
@@ -8924,7 +8923,7 @@
         </p:nvSpPr>
         <p:spPr>
           <a:xfrm>
-            <a:off x="1217120" y="4885370"/>
+            <a:off x="1217120" y="5190047"/>
             <a:ext cx="1112910" cy="376602"/>
           </a:xfrm>
           <a:prstGeom prst="rect">
@@ -8990,7 +8989,7 @@
         </p:nvSpPr>
         <p:spPr>
           <a:xfrm>
-            <a:off x="1295149" y="5770587"/>
+            <a:off x="1295149" y="6075264"/>
             <a:ext cx="956852" cy="376602"/>
           </a:xfrm>
           <a:prstGeom prst="rect">
@@ -9056,7 +9055,7 @@
         </p:nvSpPr>
         <p:spPr>
           <a:xfrm>
-            <a:off x="1798574" y="6681281"/>
+            <a:off x="1798574" y="6985958"/>
             <a:ext cx="1524978" cy="191936"/>
           </a:xfrm>
           <a:prstGeom prst="rect">
@@ -9127,7 +9126,7 @@
         </p:nvCxnSpPr>
         <p:spPr>
           <a:xfrm flipV="1">
-            <a:off x="1066650" y="3074909"/>
+            <a:off x="1066650" y="3379586"/>
             <a:ext cx="1853573" cy="148732"/>
           </a:xfrm>
           <a:prstGeom prst="bentConnector2">
@@ -9156,63 +9155,6 @@
           </a:fontRef>
         </p:style>
       </p:cxnSp>
-      <p:sp>
-        <p:nvSpPr>
-          <p:cNvPr id="128" name="TextBox 127">
-            <a:extLst>
-              <a:ext uri="{FF2B5EF4-FFF2-40B4-BE49-F238E27FC236}">
-                <a16:creationId xmlns:a16="http://schemas.microsoft.com/office/drawing/2014/main" id="{A5D939CA-457D-4B49-B661-ED7180440713}"/>
-              </a:ext>
-            </a:extLst>
-          </p:cNvPr>
-          <p:cNvSpPr txBox="1"/>
-          <p:nvPr/>
-        </p:nvSpPr>
-        <p:spPr>
-          <a:xfrm>
-            <a:off x="1295531" y="3172661"/>
-            <a:ext cx="1247091" cy="191936"/>
-          </a:xfrm>
-          <a:prstGeom prst="rect">
-            <a:avLst/>
-          </a:prstGeom>
-          <a:ln w="19050">
-            <a:noFill/>
-          </a:ln>
-        </p:spPr>
-        <p:style>
-          <a:lnRef idx="2">
-            <a:schemeClr val="dk1"/>
-          </a:lnRef>
-          <a:fillRef idx="1">
-            <a:schemeClr val="lt1"/>
-          </a:fillRef>
-          <a:effectRef idx="0">
-            <a:schemeClr val="dk1"/>
-          </a:effectRef>
-          <a:fontRef idx="minor">
-            <a:schemeClr val="dk1"/>
-          </a:fontRef>
-        </p:style>
-        <p:txBody>
-          <a:bodyPr wrap="square" lIns="3600" tIns="3600" rIns="3600" bIns="3600" rtlCol="0" anchor="ctr" anchorCtr="1">
-            <a:spAutoFit/>
-          </a:bodyPr>
-          <a:lstStyle/>
-          <a:p>
-            <a:pPr algn="ctr"/>
-            <a:r>
-              <a:rPr lang="en-AU" sz="1200" i="1" dirty="0">
-                <a:solidFill>
-                  <a:schemeClr val="accent1"/>
-                </a:solidFill>
-                <a:latin typeface="Helvetica Neue"/>
-              </a:rPr>
-              <a:t>Messages [ASCII]</a:t>
-            </a:r>
-          </a:p>
-        </p:txBody>
-      </p:sp>
       <p:cxnSp>
         <p:nvCxnSpPr>
           <p:cNvPr id="420" name="Connector: Elbow 419">
@@ -9231,7 +9173,7 @@
         </p:nvCxnSpPr>
         <p:spPr>
           <a:xfrm>
-            <a:off x="1163036" y="2658517"/>
+            <a:off x="1163036" y="2963194"/>
             <a:ext cx="1757188" cy="193678"/>
           </a:xfrm>
           <a:prstGeom prst="bentConnector2">
@@ -9278,7 +9220,7 @@
         </p:nvCxnSpPr>
         <p:spPr>
           <a:xfrm>
-            <a:off x="1163036" y="2572499"/>
+            <a:off x="1163036" y="2877176"/>
             <a:ext cx="1871488" cy="279696"/>
           </a:xfrm>
           <a:prstGeom prst="bentConnector2">
@@ -9321,7 +9263,7 @@
         </p:nvSpPr>
         <p:spPr>
           <a:xfrm>
-            <a:off x="1514083" y="2525155"/>
+            <a:off x="1514083" y="2829832"/>
             <a:ext cx="715242" cy="376602"/>
           </a:xfrm>
           <a:prstGeom prst="rect">
@@ -9378,7 +9320,7 @@
         </p:nvSpPr>
         <p:spPr>
           <a:xfrm>
-            <a:off x="1513941" y="2147554"/>
+            <a:off x="1513941" y="2452231"/>
             <a:ext cx="714780" cy="376602"/>
           </a:xfrm>
           <a:prstGeom prst="rect">
@@ -9445,7 +9387,7 @@
         </p:nvCxnSpPr>
         <p:spPr>
           <a:xfrm>
-            <a:off x="840101" y="716786"/>
+            <a:off x="840101" y="1021463"/>
             <a:ext cx="0" cy="405950"/>
           </a:xfrm>
           <a:prstGeom prst="straightConnector1">
@@ -9492,7 +9434,7 @@
         </p:nvCxnSpPr>
         <p:spPr>
           <a:xfrm>
-            <a:off x="725801" y="716786"/>
+            <a:off x="725801" y="1021463"/>
             <a:ext cx="0" cy="405950"/>
           </a:xfrm>
           <a:prstGeom prst="straightConnector1">
@@ -9535,7 +9477,7 @@
         </p:nvGrpSpPr>
         <p:grpSpPr>
           <a:xfrm>
-            <a:off x="668651" y="602486"/>
+            <a:off x="668651" y="907163"/>
             <a:ext cx="228600" cy="114300"/>
             <a:chOff x="3488871" y="2942096"/>
             <a:chExt cx="228600" cy="114300"/>
@@ -9592,7 +9534,7 @@
             <a:lstStyle/>
             <a:p>
               <a:pPr algn="ctr"/>
-              <a:endParaRPr lang="en-AU"/>
+              <a:endParaRPr lang="en-AU" dirty="0"/>
             </a:p>
           </p:txBody>
         </p:sp>
@@ -9644,7 +9586,7 @@
             <a:lstStyle/>
             <a:p>
               <a:pPr algn="ctr"/>
-              <a:endParaRPr lang="en-AU"/>
+              <a:endParaRPr lang="en-AU" dirty="0"/>
             </a:p>
           </p:txBody>
         </p:sp>
@@ -9667,7 +9609,7 @@
         </p:nvCxnSpPr>
         <p:spPr>
           <a:xfrm>
-            <a:off x="2561429" y="716786"/>
+            <a:off x="2561429" y="1021463"/>
             <a:ext cx="0" cy="405950"/>
           </a:xfrm>
           <a:prstGeom prst="straightConnector1">
@@ -9714,7 +9656,7 @@
         </p:nvCxnSpPr>
         <p:spPr>
           <a:xfrm>
-            <a:off x="2447129" y="716786"/>
+            <a:off x="2447129" y="1021463"/>
             <a:ext cx="0" cy="405950"/>
           </a:xfrm>
           <a:prstGeom prst="straightConnector1">
@@ -9757,7 +9699,7 @@
         </p:nvGrpSpPr>
         <p:grpSpPr>
           <a:xfrm>
-            <a:off x="2389979" y="602486"/>
+            <a:off x="2389979" y="907163"/>
             <a:ext cx="228600" cy="114300"/>
             <a:chOff x="3488871" y="2942096"/>
             <a:chExt cx="228600" cy="114300"/>
@@ -9814,7 +9756,7 @@
             <a:lstStyle/>
             <a:p>
               <a:pPr algn="ctr"/>
-              <a:endParaRPr lang="en-AU"/>
+              <a:endParaRPr lang="en-AU" dirty="0"/>
             </a:p>
           </p:txBody>
         </p:sp>
@@ -9866,7 +9808,7 @@
             <a:lstStyle/>
             <a:p>
               <a:pPr algn="ctr"/>
-              <a:endParaRPr lang="en-AU"/>
+              <a:endParaRPr lang="en-AU" dirty="0"/>
             </a:p>
           </p:txBody>
         </p:sp>
@@ -9885,8 +9827,8 @@
         </p:nvSpPr>
         <p:spPr>
           <a:xfrm>
-            <a:off x="1718122" y="278628"/>
-            <a:ext cx="1572314" cy="438158"/>
+            <a:off x="1903525" y="798749"/>
+            <a:ext cx="1201508" cy="222714"/>
           </a:xfrm>
           <a:prstGeom prst="rect">
             <a:avLst/>
@@ -9929,25 +9871,6 @@
               <a:t>Next Controller</a:t>
             </a:r>
           </a:p>
-          <a:p>
-            <a:pPr algn="ctr"/>
-            <a:r>
-              <a:rPr lang="en-US" sz="1400" dirty="0">
-                <a:solidFill>
-                  <a:schemeClr val="tx1"/>
-                </a:solidFill>
-                <a:latin typeface="Helvetica Neue"/>
-                <a:cs typeface="Helvetica Neue" charset="0"/>
-              </a:rPr>
-              <a:t>RX(PA10), TX(PA9)</a:t>
-            </a:r>
-            <a:endParaRPr lang="en-AU" sz="1400" dirty="0">
-              <a:solidFill>
-                <a:schemeClr val="tx1"/>
-              </a:solidFill>
-              <a:latin typeface="Helvetica Neue"/>
-            </a:endParaRPr>
-          </a:p>
         </p:txBody>
       </p:sp>
       <p:sp>
@@ -9964,8 +9887,8 @@
         </p:nvSpPr>
         <p:spPr>
           <a:xfrm>
-            <a:off x="17889" y="278628"/>
-            <a:ext cx="1530124" cy="438158"/>
+            <a:off x="17889" y="798749"/>
+            <a:ext cx="1530123" cy="222714"/>
           </a:xfrm>
           <a:prstGeom prst="rect">
             <a:avLst/>
@@ -10005,20 +9928,7 @@
                 <a:latin typeface="Helvetica Neue"/>
                 <a:cs typeface="Helvetica Neue" charset="0"/>
               </a:rPr>
-              <a:t>Pervious Controller</a:t>
-            </a:r>
-          </a:p>
-          <a:p>
-            <a:pPr algn="ctr"/>
-            <a:r>
-              <a:rPr lang="en-US" sz="1400" dirty="0">
-                <a:solidFill>
-                  <a:schemeClr val="tx1"/>
-                </a:solidFill>
-                <a:latin typeface="Helvetica Neue"/>
-                <a:cs typeface="Helvetica Neue" charset="0"/>
-              </a:rPr>
-              <a:t>RX(PA3), TX(PA2)</a:t>
+              <a:t>Previous Controller</a:t>
             </a:r>
             <a:endParaRPr lang="en-AU" sz="1400" dirty="0">
               <a:solidFill>
@@ -10043,7 +9953,7 @@
         </p:nvSpPr>
         <p:spPr>
           <a:xfrm>
-            <a:off x="46487" y="831233"/>
+            <a:off x="46487" y="1135910"/>
             <a:ext cx="1472928" cy="191936"/>
           </a:xfrm>
           <a:prstGeom prst="rect">
@@ -10100,7 +10010,7 @@
         </p:nvSpPr>
         <p:spPr>
           <a:xfrm>
-            <a:off x="1717740" y="831233"/>
+            <a:off x="1717740" y="1135910"/>
             <a:ext cx="1572309" cy="191936"/>
           </a:xfrm>
           <a:prstGeom prst="rect">
@@ -10145,33 +10055,26 @@
       </p:sp>
       <p:sp>
         <p:nvSpPr>
-          <p:cNvPr id="529" name="Rectangle 528">
+          <p:cNvPr id="530" name="TextBox 529">
             <a:extLst>
               <a:ext uri="{FF2B5EF4-FFF2-40B4-BE49-F238E27FC236}">
-                <a16:creationId xmlns:a16="http://schemas.microsoft.com/office/drawing/2014/main" id="{E188EB03-95A5-418E-B9CD-5D560B197485}"/>
+                <a16:creationId xmlns:a16="http://schemas.microsoft.com/office/drawing/2014/main" id="{2D3CE79E-0BD3-492E-9763-4FED4371807D}"/>
               </a:ext>
             </a:extLst>
           </p:cNvPr>
-          <p:cNvSpPr/>
+          <p:cNvSpPr txBox="1"/>
           <p:nvPr/>
         </p:nvSpPr>
         <p:spPr>
           <a:xfrm>
-            <a:off x="-1" y="7390524"/>
-            <a:ext cx="3336926" cy="265989"/>
+            <a:off x="1514083" y="3330529"/>
+            <a:ext cx="715242" cy="376602"/>
           </a:xfrm>
           <a:prstGeom prst="rect">
             <a:avLst/>
           </a:prstGeom>
-          <a:solidFill>
-            <a:schemeClr val="bg1">
-              <a:lumMod val="85000"/>
-            </a:schemeClr>
-          </a:solidFill>
-          <a:ln w="28575">
-            <a:solidFill>
-              <a:schemeClr val="tx1"/>
-            </a:solidFill>
+          <a:ln w="19050">
+            <a:noFill/>
           </a:ln>
         </p:spPr>
         <p:style>
@@ -10189,24 +10092,21 @@
           </a:fontRef>
         </p:style>
         <p:txBody>
-          <a:bodyPr lIns="36000" tIns="36000" rIns="3600" bIns="3600" rtlCol="0" anchor="t" anchorCtr="0"/>
+          <a:bodyPr wrap="square" lIns="3600" tIns="3600" rIns="3600" bIns="3600" rtlCol="0" anchor="ctr" anchorCtr="1">
+            <a:spAutoFit/>
+          </a:bodyPr>
           <a:lstStyle/>
           <a:p>
-            <a:r>
-              <a:rPr lang="en-US" sz="1200" dirty="0">
+            <a:pPr algn="ctr"/>
+            <a:r>
+              <a:rPr lang="en-AU" sz="1200" i="1" dirty="0">
+                <a:solidFill>
+                  <a:schemeClr val="accent1"/>
+                </a:solidFill>
                 <a:latin typeface="Helvetica Neue"/>
               </a:rPr>
-              <a:t>6 boards daisy chained to </a:t>
-            </a:r>
-            <a:r>
-              <a:rPr lang="en-US" sz="1200">
-                <a:latin typeface="Helvetica Neue"/>
-              </a:rPr>
-              <a:t>distribute messages</a:t>
-            </a:r>
-            <a:endParaRPr lang="en-AU" sz="1200" dirty="0">
-              <a:latin typeface="Helvetica Neue"/>
-            </a:endParaRPr>
+              <a:t>Messages [ASCII]</a:t>
+            </a:r>
           </a:p>
         </p:txBody>
       </p:sp>
